--- a/images/OCP 4.x Azure.pptx
+++ b/images/OCP 4.x Azure.pptx
@@ -9,10 +9,11 @@
     <p:sldId id="264" r:id="rId3"/>
     <p:sldId id="259" r:id="rId4"/>
     <p:sldId id="261" r:id="rId5"/>
-    <p:sldId id="257" r:id="rId6"/>
-    <p:sldId id="260" r:id="rId7"/>
-    <p:sldId id="258" r:id="rId8"/>
-    <p:sldId id="262" r:id="rId9"/>
+    <p:sldId id="265" r:id="rId6"/>
+    <p:sldId id="257" r:id="rId7"/>
+    <p:sldId id="260" r:id="rId8"/>
+    <p:sldId id="258" r:id="rId9"/>
+    <p:sldId id="262" r:id="rId10"/>
   </p:sldIdLst>
   <p:sldSz cx="12192000" cy="6858000"/>
   <p:notesSz cx="6858000" cy="9144000"/>
@@ -270,7 +271,7 @@
           <a:p>
             <a:fld id="{9560672A-5B6E-4A47-A627-C314C3EC3FDA}" type="datetimeFigureOut">
               <a:rPr lang="en-US" smtClean="0"/>
-              <a:t>9/1/2020</a:t>
+              <a:t>9/4/2020</a:t>
             </a:fld>
             <a:endParaRPr lang="en-US"/>
           </a:p>
@@ -468,7 +469,7 @@
           <a:p>
             <a:fld id="{9560672A-5B6E-4A47-A627-C314C3EC3FDA}" type="datetimeFigureOut">
               <a:rPr lang="en-US" smtClean="0"/>
-              <a:t>9/1/2020</a:t>
+              <a:t>9/4/2020</a:t>
             </a:fld>
             <a:endParaRPr lang="en-US"/>
           </a:p>
@@ -676,7 +677,7 @@
           <a:p>
             <a:fld id="{9560672A-5B6E-4A47-A627-C314C3EC3FDA}" type="datetimeFigureOut">
               <a:rPr lang="en-US" smtClean="0"/>
-              <a:t>9/1/2020</a:t>
+              <a:t>9/4/2020</a:t>
             </a:fld>
             <a:endParaRPr lang="en-US"/>
           </a:p>
@@ -874,7 +875,7 @@
           <a:p>
             <a:fld id="{9560672A-5B6E-4A47-A627-C314C3EC3FDA}" type="datetimeFigureOut">
               <a:rPr lang="en-US" smtClean="0"/>
-              <a:t>9/1/2020</a:t>
+              <a:t>9/4/2020</a:t>
             </a:fld>
             <a:endParaRPr lang="en-US"/>
           </a:p>
@@ -1149,7 +1150,7 @@
           <a:p>
             <a:fld id="{9560672A-5B6E-4A47-A627-C314C3EC3FDA}" type="datetimeFigureOut">
               <a:rPr lang="en-US" smtClean="0"/>
-              <a:t>9/1/2020</a:t>
+              <a:t>9/4/2020</a:t>
             </a:fld>
             <a:endParaRPr lang="en-US"/>
           </a:p>
@@ -1414,7 +1415,7 @@
           <a:p>
             <a:fld id="{9560672A-5B6E-4A47-A627-C314C3EC3FDA}" type="datetimeFigureOut">
               <a:rPr lang="en-US" smtClean="0"/>
-              <a:t>9/1/2020</a:t>
+              <a:t>9/4/2020</a:t>
             </a:fld>
             <a:endParaRPr lang="en-US"/>
           </a:p>
@@ -1826,7 +1827,7 @@
           <a:p>
             <a:fld id="{9560672A-5B6E-4A47-A627-C314C3EC3FDA}" type="datetimeFigureOut">
               <a:rPr lang="en-US" smtClean="0"/>
-              <a:t>9/1/2020</a:t>
+              <a:t>9/4/2020</a:t>
             </a:fld>
             <a:endParaRPr lang="en-US"/>
           </a:p>
@@ -1967,7 +1968,7 @@
           <a:p>
             <a:fld id="{9560672A-5B6E-4A47-A627-C314C3EC3FDA}" type="datetimeFigureOut">
               <a:rPr lang="en-US" smtClean="0"/>
-              <a:t>9/1/2020</a:t>
+              <a:t>9/4/2020</a:t>
             </a:fld>
             <a:endParaRPr lang="en-US"/>
           </a:p>
@@ -2080,7 +2081,7 @@
           <a:p>
             <a:fld id="{9560672A-5B6E-4A47-A627-C314C3EC3FDA}" type="datetimeFigureOut">
               <a:rPr lang="en-US" smtClean="0"/>
-              <a:t>9/1/2020</a:t>
+              <a:t>9/4/2020</a:t>
             </a:fld>
             <a:endParaRPr lang="en-US"/>
           </a:p>
@@ -2391,7 +2392,7 @@
           <a:p>
             <a:fld id="{9560672A-5B6E-4A47-A627-C314C3EC3FDA}" type="datetimeFigureOut">
               <a:rPr lang="en-US" smtClean="0"/>
-              <a:t>9/1/2020</a:t>
+              <a:t>9/4/2020</a:t>
             </a:fld>
             <a:endParaRPr lang="en-US"/>
           </a:p>
@@ -2679,7 +2680,7 @@
           <a:p>
             <a:fld id="{9560672A-5B6E-4A47-A627-C314C3EC3FDA}" type="datetimeFigureOut">
               <a:rPr lang="en-US" smtClean="0"/>
-              <a:t>9/1/2020</a:t>
+              <a:t>9/4/2020</a:t>
             </a:fld>
             <a:endParaRPr lang="en-US"/>
           </a:p>
@@ -2920,7 +2921,7 @@
           <a:p>
             <a:fld id="{9560672A-5B6E-4A47-A627-C314C3EC3FDA}" type="datetimeFigureOut">
               <a:rPr lang="en-US" smtClean="0"/>
-              <a:t>9/1/2020</a:t>
+              <a:t>9/4/2020</a:t>
             </a:fld>
             <a:endParaRPr lang="en-US"/>
           </a:p>
@@ -7854,7 +7855,7 @@
         </p:nvSpPr>
         <p:spPr>
           <a:xfrm>
-            <a:off x="32048" y="839559"/>
+            <a:off x="100416" y="839559"/>
             <a:ext cx="8640266" cy="5981117"/>
           </a:xfrm>
           <a:prstGeom prst="rect">
@@ -11063,7 +11064,7 @@
         </p:blipFill>
         <p:spPr bwMode="auto">
           <a:xfrm>
-            <a:off x="8063734" y="6096870"/>
+            <a:off x="8054403" y="6096870"/>
             <a:ext cx="605811" cy="605811"/>
           </a:xfrm>
           <a:prstGeom prst="rect">
@@ -12499,7 +12500,7 @@
         </p:nvGrpSpPr>
         <p:grpSpPr>
           <a:xfrm>
-            <a:off x="8065305" y="2000074"/>
+            <a:off x="8142219" y="2000074"/>
             <a:ext cx="1258348" cy="660377"/>
             <a:chOff x="5116247" y="1136451"/>
             <a:chExt cx="1258348" cy="660377"/>
@@ -12560,17 +12561,6 @@
                 <a:t>Express Route</a:t>
               </a:r>
             </a:p>
-            <a:p>
-              <a:pPr algn="ctr"/>
-              <a:r>
-                <a:rPr lang="en-US" sz="1000" b="1" dirty="0">
-                  <a:solidFill>
-                    <a:schemeClr val="tx1"/>
-                  </a:solidFill>
-                </a:rPr>
-                <a:t>5 Gbps</a:t>
-              </a:r>
-            </a:p>
           </p:txBody>
         </p:sp>
         <p:pic>
@@ -12642,7 +12632,7 @@
         </p:blipFill>
         <p:spPr bwMode="auto">
           <a:xfrm>
-            <a:off x="53165" y="224047"/>
+            <a:off x="138625" y="189864"/>
             <a:ext cx="1271827" cy="797131"/>
           </a:xfrm>
           <a:prstGeom prst="rect">
@@ -13938,8 +13928,8 @@
         </p:nvCxnSpPr>
         <p:spPr>
           <a:xfrm>
-            <a:off x="8878856" y="2221773"/>
-            <a:ext cx="635204" cy="948472"/>
+            <a:off x="8955770" y="2221773"/>
+            <a:ext cx="558290" cy="948472"/>
           </a:xfrm>
           <a:prstGeom prst="bentConnector2">
             <a:avLst/>
@@ -14335,6 +14325,106 @@
           </a:p>
         </p:txBody>
       </p:sp>
+      <p:cxnSp>
+        <p:nvCxnSpPr>
+          <p:cNvPr id="16" name="Connector: Elbow 15">
+            <a:extLst>
+              <a:ext uri="{FF2B5EF4-FFF2-40B4-BE49-F238E27FC236}">
+                <a16:creationId xmlns:a16="http://schemas.microsoft.com/office/drawing/2014/main" id="{C656F5FD-F0A7-4B5C-B4E4-B110D212C6B0}"/>
+              </a:ext>
+            </a:extLst>
+          </p:cNvPr>
+          <p:cNvCxnSpPr>
+            <a:cxnSpLocks/>
+          </p:cNvCxnSpPr>
+          <p:nvPr/>
+        </p:nvCxnSpPr>
+        <p:spPr>
+          <a:xfrm rot="5400000">
+            <a:off x="6289672" y="4310275"/>
+            <a:ext cx="279964" cy="3382410"/>
+          </a:xfrm>
+          <a:prstGeom prst="bentConnector3">
+            <a:avLst>
+              <a:gd name="adj1" fmla="val 303752"/>
+            </a:avLst>
+          </a:prstGeom>
+          <a:ln w="12700">
+            <a:tailEnd type="triangle"/>
+          </a:ln>
+        </p:spPr>
+        <p:style>
+          <a:lnRef idx="1">
+            <a:schemeClr val="accent1"/>
+          </a:lnRef>
+          <a:fillRef idx="0">
+            <a:schemeClr val="accent1"/>
+          </a:fillRef>
+          <a:effectRef idx="0">
+            <a:schemeClr val="accent1"/>
+          </a:effectRef>
+          <a:fontRef idx="minor">
+            <a:schemeClr val="tx1"/>
+          </a:fontRef>
+        </p:style>
+      </p:cxnSp>
+      <p:sp>
+        <p:nvSpPr>
+          <p:cNvPr id="164" name="Rectangle 163">
+            <a:extLst>
+              <a:ext uri="{FF2B5EF4-FFF2-40B4-BE49-F238E27FC236}">
+                <a16:creationId xmlns:a16="http://schemas.microsoft.com/office/drawing/2014/main" id="{8BF5765F-F8E6-4DC7-ADB7-47E6F132389C}"/>
+              </a:ext>
+            </a:extLst>
+          </p:cNvPr>
+          <p:cNvSpPr/>
+          <p:nvPr/>
+        </p:nvSpPr>
+        <p:spPr>
+          <a:xfrm>
+            <a:off x="4961112" y="6495526"/>
+            <a:ext cx="1258348" cy="276836"/>
+          </a:xfrm>
+          <a:prstGeom prst="rect">
+            <a:avLst/>
+          </a:prstGeom>
+          <a:noFill/>
+          <a:ln>
+            <a:noFill/>
+          </a:ln>
+        </p:spPr>
+        <p:style>
+          <a:lnRef idx="2">
+            <a:schemeClr val="accent1">
+              <a:shade val="50000"/>
+            </a:schemeClr>
+          </a:lnRef>
+          <a:fillRef idx="1">
+            <a:schemeClr val="accent1"/>
+          </a:fillRef>
+          <a:effectRef idx="0">
+            <a:schemeClr val="accent1"/>
+          </a:effectRef>
+          <a:fontRef idx="minor">
+            <a:schemeClr val="lt1"/>
+          </a:fontRef>
+        </p:style>
+        <p:txBody>
+          <a:bodyPr rtlCol="0" anchor="ctr"/>
+          <a:lstStyle/>
+          <a:p>
+            <a:pPr algn="ctr"/>
+            <a:r>
+              <a:rPr lang="en-US" sz="800" dirty="0">
+                <a:solidFill>
+                  <a:schemeClr val="tx1"/>
+                </a:solidFill>
+              </a:rPr>
+              <a:t>https/6443</a:t>
+            </a:r>
+          </a:p>
+        </p:txBody>
+      </p:sp>
     </p:spTree>
     <p:extLst>
       <p:ext uri="{BB962C8B-B14F-4D97-AF65-F5344CB8AC3E}">
@@ -14508,6 +14598,96 @@
 </file>
 
 <file path=ppt/slides/slide5.xml><?xml version="1.0" encoding="utf-8"?>
+<p:sld xmlns:a="http://schemas.openxmlformats.org/drawingml/2006/main" xmlns:r="http://schemas.openxmlformats.org/officeDocument/2006/relationships" xmlns:p="http://schemas.openxmlformats.org/presentationml/2006/main">
+  <p:cSld>
+    <p:spTree>
+      <p:nvGrpSpPr>
+        <p:cNvPr id="1" name=""/>
+        <p:cNvGrpSpPr/>
+        <p:nvPr/>
+      </p:nvGrpSpPr>
+      <p:grpSpPr>
+        <a:xfrm>
+          <a:off x="0" y="0"/>
+          <a:ext cx="0" cy="0"/>
+          <a:chOff x="0" y="0"/>
+          <a:chExt cx="0" cy="0"/>
+        </a:xfrm>
+      </p:grpSpPr>
+      <p:pic>
+        <p:nvPicPr>
+          <p:cNvPr id="2" name="Picture 1">
+            <a:extLst>
+              <a:ext uri="{FF2B5EF4-FFF2-40B4-BE49-F238E27FC236}">
+                <a16:creationId xmlns:a16="http://schemas.microsoft.com/office/drawing/2014/main" id="{58E35208-DE3A-487A-8B58-47099B22145B}"/>
+              </a:ext>
+            </a:extLst>
+          </p:cNvPr>
+          <p:cNvPicPr>
+            <a:picLocks noChangeAspect="1"/>
+          </p:cNvPicPr>
+          <p:nvPr/>
+        </p:nvPicPr>
+        <p:blipFill>
+          <a:blip r:embed="rId2"/>
+          <a:stretch>
+            <a:fillRect/>
+          </a:stretch>
+        </p:blipFill>
+        <p:spPr>
+          <a:xfrm>
+            <a:off x="4488023" y="1740004"/>
+            <a:ext cx="2863915" cy="317493"/>
+          </a:xfrm>
+          <a:prstGeom prst="rect">
+            <a:avLst/>
+          </a:prstGeom>
+        </p:spPr>
+      </p:pic>
+      <p:pic>
+        <p:nvPicPr>
+          <p:cNvPr id="3" name="Picture 2">
+            <a:extLst>
+              <a:ext uri="{FF2B5EF4-FFF2-40B4-BE49-F238E27FC236}">
+                <a16:creationId xmlns:a16="http://schemas.microsoft.com/office/drawing/2014/main" id="{2B239231-7022-447F-AAE6-2B8C521D0E88}"/>
+              </a:ext>
+            </a:extLst>
+          </p:cNvPr>
+          <p:cNvPicPr>
+            <a:picLocks noChangeAspect="1"/>
+          </p:cNvPicPr>
+          <p:nvPr/>
+        </p:nvPicPr>
+        <p:blipFill>
+          <a:blip r:embed="rId3"/>
+          <a:stretch>
+            <a:fillRect/>
+          </a:stretch>
+        </p:blipFill>
+        <p:spPr>
+          <a:xfrm>
+            <a:off x="3131970" y="1985619"/>
+            <a:ext cx="6133333" cy="3857143"/>
+          </a:xfrm>
+          <a:prstGeom prst="rect">
+            <a:avLst/>
+          </a:prstGeom>
+        </p:spPr>
+      </p:pic>
+    </p:spTree>
+    <p:extLst>
+      <p:ext uri="{BB962C8B-B14F-4D97-AF65-F5344CB8AC3E}">
+        <p14:creationId xmlns:p14="http://schemas.microsoft.com/office/powerpoint/2010/main" val="54994806"/>
+      </p:ext>
+    </p:extLst>
+  </p:cSld>
+  <p:clrMapOvr>
+    <a:masterClrMapping/>
+  </p:clrMapOvr>
+</p:sld>
+</file>
+
+<file path=ppt/slides/slide6.xml><?xml version="1.0" encoding="utf-8"?>
 <p:sld xmlns:a="http://schemas.openxmlformats.org/drawingml/2006/main" xmlns:r="http://schemas.openxmlformats.org/officeDocument/2006/relationships" xmlns:p="http://schemas.openxmlformats.org/presentationml/2006/main">
   <p:cSld>
     <p:spTree>
@@ -18105,7 +18285,7 @@
 </p:sld>
 </file>
 
-<file path=ppt/slides/slide6.xml><?xml version="1.0" encoding="utf-8"?>
+<file path=ppt/slides/slide7.xml><?xml version="1.0" encoding="utf-8"?>
 <p:sld xmlns:a="http://schemas.openxmlformats.org/drawingml/2006/main" xmlns:r="http://schemas.openxmlformats.org/officeDocument/2006/relationships" xmlns:p="http://schemas.openxmlformats.org/presentationml/2006/main">
   <p:cSld>
     <p:spTree>
@@ -22014,7 +22194,7 @@
 </p:sld>
 </file>
 
-<file path=ppt/slides/slide7.xml><?xml version="1.0" encoding="utf-8"?>
+<file path=ppt/slides/slide8.xml><?xml version="1.0" encoding="utf-8"?>
 <p:sld xmlns:a="http://schemas.openxmlformats.org/drawingml/2006/main" xmlns:r="http://schemas.openxmlformats.org/officeDocument/2006/relationships" xmlns:p="http://schemas.openxmlformats.org/presentationml/2006/main">
   <p:cSld>
     <p:spTree>
@@ -26635,7 +26815,7 @@
 </p:sld>
 </file>
 
-<file path=ppt/slides/slide8.xml><?xml version="1.0" encoding="utf-8"?>
+<file path=ppt/slides/slide9.xml><?xml version="1.0" encoding="utf-8"?>
 <p:sld xmlns:a="http://schemas.openxmlformats.org/drawingml/2006/main" xmlns:r="http://schemas.openxmlformats.org/officeDocument/2006/relationships" xmlns:p="http://schemas.openxmlformats.org/presentationml/2006/main">
   <p:cSld>
     <p:spTree>
